--- a/ppt 16-9/1092.良伴的引导.pptx
+++ b/ppt 16-9/1092.良伴的引导.pptx
@@ -5,7 +5,7 @@
     <p:sldMasterId id="2147483648" r:id="rId1"/>
   </p:sldMasterIdLst>
   <p:sldIdLst>
-    <p:sldId id="552" r:id="rId2"/>
+    <p:sldId id="554" r:id="rId2"/>
   </p:sldIdLst>
   <p:sldSz cx="12192000" cy="6858000"/>
   <p:notesSz cx="6858000" cy="9144000"/>
@@ -129,7 +129,7 @@
           <p:cNvPr id="2" name="标题 1">
             <a:extLst>
               <a:ext uri="{FF2B5EF4-FFF2-40B4-BE49-F238E27FC236}">
-                <a16:creationId xmlns:a16="http://schemas.microsoft.com/office/drawing/2014/main" id="{D7A1F7B1-FC9A-0437-BDBA-BCBC1DC7FEA5}"/>
+                <a16:creationId xmlns:a16="http://schemas.microsoft.com/office/drawing/2014/main" id="{A2AA4D48-D0FF-5CBF-7CC8-891E9E062D6E}"/>
               </a:ext>
             </a:extLst>
           </p:cNvPr>
@@ -166,7 +166,7 @@
           <p:cNvPr id="3" name="副标题 2">
             <a:extLst>
               <a:ext uri="{FF2B5EF4-FFF2-40B4-BE49-F238E27FC236}">
-                <a16:creationId xmlns:a16="http://schemas.microsoft.com/office/drawing/2014/main" id="{2C6CA6D6-649B-4095-1FD2-82701B7E49B8}"/>
+                <a16:creationId xmlns:a16="http://schemas.microsoft.com/office/drawing/2014/main" id="{ABA4EAA5-3366-5267-796B-183229B05F09}"/>
               </a:ext>
             </a:extLst>
           </p:cNvPr>
@@ -236,7 +236,7 @@
           <p:cNvPr id="4" name="日期占位符 3">
             <a:extLst>
               <a:ext uri="{FF2B5EF4-FFF2-40B4-BE49-F238E27FC236}">
-                <a16:creationId xmlns:a16="http://schemas.microsoft.com/office/drawing/2014/main" id="{72CD9DA4-EDEF-E474-DAE4-F25379A5119B}"/>
+                <a16:creationId xmlns:a16="http://schemas.microsoft.com/office/drawing/2014/main" id="{E74561F7-A183-2410-39B7-295D1A0F317D}"/>
               </a:ext>
             </a:extLst>
           </p:cNvPr>
@@ -252,7 +252,7 @@
           <a:bodyPr/>
           <a:lstStyle/>
           <a:p>
-            <a:fld id="{F5392E90-C068-4A7E-A0CE-5E4F4EB7653E}" type="datetimeFigureOut">
+            <a:fld id="{AA31437D-53A2-49F2-BE43-DA20D88AD294}" type="datetimeFigureOut">
               <a:rPr lang="zh-CN" altLang="en-US" smtClean="0"/>
               <a:t>2024/3/10</a:t>
             </a:fld>
@@ -265,7 +265,7 @@
           <p:cNvPr id="5" name="页脚占位符 4">
             <a:extLst>
               <a:ext uri="{FF2B5EF4-FFF2-40B4-BE49-F238E27FC236}">
-                <a16:creationId xmlns:a16="http://schemas.microsoft.com/office/drawing/2014/main" id="{1B844238-EE4E-0F76-48A7-DF762197CA0C}"/>
+                <a16:creationId xmlns:a16="http://schemas.microsoft.com/office/drawing/2014/main" id="{B5D00F20-625A-1131-886A-9B2E74218DB5}"/>
               </a:ext>
             </a:extLst>
           </p:cNvPr>
@@ -290,7 +290,7 @@
           <p:cNvPr id="6" name="灯片编号占位符 5">
             <a:extLst>
               <a:ext uri="{FF2B5EF4-FFF2-40B4-BE49-F238E27FC236}">
-                <a16:creationId xmlns:a16="http://schemas.microsoft.com/office/drawing/2014/main" id="{C701344B-5153-EC2A-6C5E-B30D5C5BB116}"/>
+                <a16:creationId xmlns:a16="http://schemas.microsoft.com/office/drawing/2014/main" id="{21361F21-F027-DFBC-B1E8-50BF44ADA9B3}"/>
               </a:ext>
             </a:extLst>
           </p:cNvPr>
@@ -306,7 +306,7 @@
           <a:bodyPr/>
           <a:lstStyle/>
           <a:p>
-            <a:fld id="{DAD2AE77-788C-4284-B974-358CD875C2BE}" type="slidenum">
+            <a:fld id="{E4FE5CB7-4D5C-4EAC-B80A-E56644BDEAAC}" type="slidenum">
               <a:rPr lang="zh-CN" altLang="en-US" smtClean="0"/>
               <a:t>‹#›</a:t>
             </a:fld>
@@ -317,7 +317,7 @@
     </p:spTree>
     <p:extLst>
       <p:ext uri="{BB962C8B-B14F-4D97-AF65-F5344CB8AC3E}">
-        <p14:creationId xmlns:p14="http://schemas.microsoft.com/office/powerpoint/2010/main" val="3131213932"/>
+        <p14:creationId xmlns:p14="http://schemas.microsoft.com/office/powerpoint/2010/main" val="773988405"/>
       </p:ext>
     </p:extLst>
   </p:cSld>
@@ -349,7 +349,7 @@
           <p:cNvPr id="2" name="标题 1">
             <a:extLst>
               <a:ext uri="{FF2B5EF4-FFF2-40B4-BE49-F238E27FC236}">
-                <a16:creationId xmlns:a16="http://schemas.microsoft.com/office/drawing/2014/main" id="{6D36931E-C792-D3AE-E07D-31B31AEDE917}"/>
+                <a16:creationId xmlns:a16="http://schemas.microsoft.com/office/drawing/2014/main" id="{1EC32765-DB17-1DA2-DA83-65D1DFF673AB}"/>
               </a:ext>
             </a:extLst>
           </p:cNvPr>
@@ -377,7 +377,7 @@
           <p:cNvPr id="3" name="竖排文字占位符 2">
             <a:extLst>
               <a:ext uri="{FF2B5EF4-FFF2-40B4-BE49-F238E27FC236}">
-                <a16:creationId xmlns:a16="http://schemas.microsoft.com/office/drawing/2014/main" id="{97D1952D-4042-8CEE-3F29-F3CBE645EAEB}"/>
+                <a16:creationId xmlns:a16="http://schemas.microsoft.com/office/drawing/2014/main" id="{119B76B0-B71E-FB35-7C45-7D2B4E524F96}"/>
               </a:ext>
             </a:extLst>
           </p:cNvPr>
@@ -434,7 +434,7 @@
           <p:cNvPr id="4" name="日期占位符 3">
             <a:extLst>
               <a:ext uri="{FF2B5EF4-FFF2-40B4-BE49-F238E27FC236}">
-                <a16:creationId xmlns:a16="http://schemas.microsoft.com/office/drawing/2014/main" id="{2FA884A8-9A69-E983-C51D-CFE6259FD1CD}"/>
+                <a16:creationId xmlns:a16="http://schemas.microsoft.com/office/drawing/2014/main" id="{583A9E14-9FE2-DA39-0F1C-D2F6C75D900E}"/>
               </a:ext>
             </a:extLst>
           </p:cNvPr>
@@ -450,7 +450,7 @@
           <a:bodyPr/>
           <a:lstStyle/>
           <a:p>
-            <a:fld id="{F5392E90-C068-4A7E-A0CE-5E4F4EB7653E}" type="datetimeFigureOut">
+            <a:fld id="{AA31437D-53A2-49F2-BE43-DA20D88AD294}" type="datetimeFigureOut">
               <a:rPr lang="zh-CN" altLang="en-US" smtClean="0"/>
               <a:t>2024/3/10</a:t>
             </a:fld>
@@ -463,7 +463,7 @@
           <p:cNvPr id="5" name="页脚占位符 4">
             <a:extLst>
               <a:ext uri="{FF2B5EF4-FFF2-40B4-BE49-F238E27FC236}">
-                <a16:creationId xmlns:a16="http://schemas.microsoft.com/office/drawing/2014/main" id="{6B64F790-52BD-94A0-80D7-77068C5B1150}"/>
+                <a16:creationId xmlns:a16="http://schemas.microsoft.com/office/drawing/2014/main" id="{8FB8EAE5-D7C1-38E5-9237-6E40AD586047}"/>
               </a:ext>
             </a:extLst>
           </p:cNvPr>
@@ -488,7 +488,7 @@
           <p:cNvPr id="6" name="灯片编号占位符 5">
             <a:extLst>
               <a:ext uri="{FF2B5EF4-FFF2-40B4-BE49-F238E27FC236}">
-                <a16:creationId xmlns:a16="http://schemas.microsoft.com/office/drawing/2014/main" id="{180DE3F6-DDC4-BEE2-D481-A6E582FCF372}"/>
+                <a16:creationId xmlns:a16="http://schemas.microsoft.com/office/drawing/2014/main" id="{677799AC-3D05-8FB5-44E0-9BD2959F147E}"/>
               </a:ext>
             </a:extLst>
           </p:cNvPr>
@@ -504,7 +504,7 @@
           <a:bodyPr/>
           <a:lstStyle/>
           <a:p>
-            <a:fld id="{DAD2AE77-788C-4284-B974-358CD875C2BE}" type="slidenum">
+            <a:fld id="{E4FE5CB7-4D5C-4EAC-B80A-E56644BDEAAC}" type="slidenum">
               <a:rPr lang="zh-CN" altLang="en-US" smtClean="0"/>
               <a:t>‹#›</a:t>
             </a:fld>
@@ -515,7 +515,7 @@
     </p:spTree>
     <p:extLst>
       <p:ext uri="{BB962C8B-B14F-4D97-AF65-F5344CB8AC3E}">
-        <p14:creationId xmlns:p14="http://schemas.microsoft.com/office/powerpoint/2010/main" val="3260101431"/>
+        <p14:creationId xmlns:p14="http://schemas.microsoft.com/office/powerpoint/2010/main" val="1240142352"/>
       </p:ext>
     </p:extLst>
   </p:cSld>
@@ -547,7 +547,7 @@
           <p:cNvPr id="2" name="竖排标题 1">
             <a:extLst>
               <a:ext uri="{FF2B5EF4-FFF2-40B4-BE49-F238E27FC236}">
-                <a16:creationId xmlns:a16="http://schemas.microsoft.com/office/drawing/2014/main" id="{8109ADF4-03E9-2659-DCC5-561C5302D8E8}"/>
+                <a16:creationId xmlns:a16="http://schemas.microsoft.com/office/drawing/2014/main" id="{E7409289-78F9-8FBA-4E83-71E568F687AE}"/>
               </a:ext>
             </a:extLst>
           </p:cNvPr>
@@ -580,7 +580,7 @@
           <p:cNvPr id="3" name="竖排文字占位符 2">
             <a:extLst>
               <a:ext uri="{FF2B5EF4-FFF2-40B4-BE49-F238E27FC236}">
-                <a16:creationId xmlns:a16="http://schemas.microsoft.com/office/drawing/2014/main" id="{F2047E24-CCB2-71E4-5A79-20565EF4332E}"/>
+                <a16:creationId xmlns:a16="http://schemas.microsoft.com/office/drawing/2014/main" id="{D38230F9-D462-3AA8-4F2F-A65BE6B0DFC9}"/>
               </a:ext>
             </a:extLst>
           </p:cNvPr>
@@ -642,7 +642,7 @@
           <p:cNvPr id="4" name="日期占位符 3">
             <a:extLst>
               <a:ext uri="{FF2B5EF4-FFF2-40B4-BE49-F238E27FC236}">
-                <a16:creationId xmlns:a16="http://schemas.microsoft.com/office/drawing/2014/main" id="{05353E71-1EE3-EBA3-6292-0B062AC29D2E}"/>
+                <a16:creationId xmlns:a16="http://schemas.microsoft.com/office/drawing/2014/main" id="{AD2293FF-9CFC-4EC9-E5D6-19A36E1001A7}"/>
               </a:ext>
             </a:extLst>
           </p:cNvPr>
@@ -658,7 +658,7 @@
           <a:bodyPr/>
           <a:lstStyle/>
           <a:p>
-            <a:fld id="{F5392E90-C068-4A7E-A0CE-5E4F4EB7653E}" type="datetimeFigureOut">
+            <a:fld id="{AA31437D-53A2-49F2-BE43-DA20D88AD294}" type="datetimeFigureOut">
               <a:rPr lang="zh-CN" altLang="en-US" smtClean="0"/>
               <a:t>2024/3/10</a:t>
             </a:fld>
@@ -671,7 +671,7 @@
           <p:cNvPr id="5" name="页脚占位符 4">
             <a:extLst>
               <a:ext uri="{FF2B5EF4-FFF2-40B4-BE49-F238E27FC236}">
-                <a16:creationId xmlns:a16="http://schemas.microsoft.com/office/drawing/2014/main" id="{ECF85142-6D16-6973-D5C7-FD44CCAC9426}"/>
+                <a16:creationId xmlns:a16="http://schemas.microsoft.com/office/drawing/2014/main" id="{D2C1961D-064F-8DB4-D66D-644203EF019B}"/>
               </a:ext>
             </a:extLst>
           </p:cNvPr>
@@ -696,7 +696,7 @@
           <p:cNvPr id="6" name="灯片编号占位符 5">
             <a:extLst>
               <a:ext uri="{FF2B5EF4-FFF2-40B4-BE49-F238E27FC236}">
-                <a16:creationId xmlns:a16="http://schemas.microsoft.com/office/drawing/2014/main" id="{657AE129-C1D9-C3FF-AD55-D6BCC77B6EAC}"/>
+                <a16:creationId xmlns:a16="http://schemas.microsoft.com/office/drawing/2014/main" id="{851E6B0F-AEC2-F74B-4CA8-DD9D03E52704}"/>
               </a:ext>
             </a:extLst>
           </p:cNvPr>
@@ -712,7 +712,7 @@
           <a:bodyPr/>
           <a:lstStyle/>
           <a:p>
-            <a:fld id="{DAD2AE77-788C-4284-B974-358CD875C2BE}" type="slidenum">
+            <a:fld id="{E4FE5CB7-4D5C-4EAC-B80A-E56644BDEAAC}" type="slidenum">
               <a:rPr lang="zh-CN" altLang="en-US" smtClean="0"/>
               <a:t>‹#›</a:t>
             </a:fld>
@@ -723,7 +723,7 @@
     </p:spTree>
     <p:extLst>
       <p:ext uri="{BB962C8B-B14F-4D97-AF65-F5344CB8AC3E}">
-        <p14:creationId xmlns:p14="http://schemas.microsoft.com/office/powerpoint/2010/main" val="2892241050"/>
+        <p14:creationId xmlns:p14="http://schemas.microsoft.com/office/powerpoint/2010/main" val="40321388"/>
       </p:ext>
     </p:extLst>
   </p:cSld>
@@ -755,7 +755,7 @@
           <p:cNvPr id="2" name="标题 1">
             <a:extLst>
               <a:ext uri="{FF2B5EF4-FFF2-40B4-BE49-F238E27FC236}">
-                <a16:creationId xmlns:a16="http://schemas.microsoft.com/office/drawing/2014/main" id="{DACD3F61-9FBB-FE87-51B5-A016843BAEE7}"/>
+                <a16:creationId xmlns:a16="http://schemas.microsoft.com/office/drawing/2014/main" id="{5AE8FDEE-67C5-C1E7-8B55-FFB6AF2EE5EC}"/>
               </a:ext>
             </a:extLst>
           </p:cNvPr>
@@ -783,7 +783,7 @@
           <p:cNvPr id="3" name="内容占位符 2">
             <a:extLst>
               <a:ext uri="{FF2B5EF4-FFF2-40B4-BE49-F238E27FC236}">
-                <a16:creationId xmlns:a16="http://schemas.microsoft.com/office/drawing/2014/main" id="{804E1B3E-75CB-78B3-C04C-01803CEB663E}"/>
+                <a16:creationId xmlns:a16="http://schemas.microsoft.com/office/drawing/2014/main" id="{881A41F9-49AC-049D-C597-58C17A3BB0A6}"/>
               </a:ext>
             </a:extLst>
           </p:cNvPr>
@@ -840,7 +840,7 @@
           <p:cNvPr id="4" name="日期占位符 3">
             <a:extLst>
               <a:ext uri="{FF2B5EF4-FFF2-40B4-BE49-F238E27FC236}">
-                <a16:creationId xmlns:a16="http://schemas.microsoft.com/office/drawing/2014/main" id="{F2D06B81-C602-C1BE-5B77-4F3D6EE3969A}"/>
+                <a16:creationId xmlns:a16="http://schemas.microsoft.com/office/drawing/2014/main" id="{55BCA4EC-069E-0641-8566-C6E8202AFCB0}"/>
               </a:ext>
             </a:extLst>
           </p:cNvPr>
@@ -856,7 +856,7 @@
           <a:bodyPr/>
           <a:lstStyle/>
           <a:p>
-            <a:fld id="{F5392E90-C068-4A7E-A0CE-5E4F4EB7653E}" type="datetimeFigureOut">
+            <a:fld id="{AA31437D-53A2-49F2-BE43-DA20D88AD294}" type="datetimeFigureOut">
               <a:rPr lang="zh-CN" altLang="en-US" smtClean="0"/>
               <a:t>2024/3/10</a:t>
             </a:fld>
@@ -869,7 +869,7 @@
           <p:cNvPr id="5" name="页脚占位符 4">
             <a:extLst>
               <a:ext uri="{FF2B5EF4-FFF2-40B4-BE49-F238E27FC236}">
-                <a16:creationId xmlns:a16="http://schemas.microsoft.com/office/drawing/2014/main" id="{A8D20F66-4975-137A-B0AC-3D2568608A8D}"/>
+                <a16:creationId xmlns:a16="http://schemas.microsoft.com/office/drawing/2014/main" id="{E3D1FFA3-0DD3-C80A-ECF6-1A71317A77A0}"/>
               </a:ext>
             </a:extLst>
           </p:cNvPr>
@@ -894,7 +894,7 @@
           <p:cNvPr id="6" name="灯片编号占位符 5">
             <a:extLst>
               <a:ext uri="{FF2B5EF4-FFF2-40B4-BE49-F238E27FC236}">
-                <a16:creationId xmlns:a16="http://schemas.microsoft.com/office/drawing/2014/main" id="{987320EB-8317-392C-69ED-40056FA19976}"/>
+                <a16:creationId xmlns:a16="http://schemas.microsoft.com/office/drawing/2014/main" id="{8CDD03A7-773F-2FCD-03F5-44C7D0397F69}"/>
               </a:ext>
             </a:extLst>
           </p:cNvPr>
@@ -910,7 +910,7 @@
           <a:bodyPr/>
           <a:lstStyle/>
           <a:p>
-            <a:fld id="{DAD2AE77-788C-4284-B974-358CD875C2BE}" type="slidenum">
+            <a:fld id="{E4FE5CB7-4D5C-4EAC-B80A-E56644BDEAAC}" type="slidenum">
               <a:rPr lang="zh-CN" altLang="en-US" smtClean="0"/>
               <a:t>‹#›</a:t>
             </a:fld>
@@ -921,7 +921,7 @@
     </p:spTree>
     <p:extLst>
       <p:ext uri="{BB962C8B-B14F-4D97-AF65-F5344CB8AC3E}">
-        <p14:creationId xmlns:p14="http://schemas.microsoft.com/office/powerpoint/2010/main" val="3859573382"/>
+        <p14:creationId xmlns:p14="http://schemas.microsoft.com/office/powerpoint/2010/main" val="479575357"/>
       </p:ext>
     </p:extLst>
   </p:cSld>
@@ -953,7 +953,7 @@
           <p:cNvPr id="2" name="标题 1">
             <a:extLst>
               <a:ext uri="{FF2B5EF4-FFF2-40B4-BE49-F238E27FC236}">
-                <a16:creationId xmlns:a16="http://schemas.microsoft.com/office/drawing/2014/main" id="{8A6CEA32-1C12-AE3A-3773-422AEFB1D777}"/>
+                <a16:creationId xmlns:a16="http://schemas.microsoft.com/office/drawing/2014/main" id="{EAF2DA6B-D8C5-02A3-8292-757BA83A05DF}"/>
               </a:ext>
             </a:extLst>
           </p:cNvPr>
@@ -990,7 +990,7 @@
           <p:cNvPr id="3" name="文本占位符 2">
             <a:extLst>
               <a:ext uri="{FF2B5EF4-FFF2-40B4-BE49-F238E27FC236}">
-                <a16:creationId xmlns:a16="http://schemas.microsoft.com/office/drawing/2014/main" id="{A11905C1-7E21-A5F8-94CD-1D85B51B56E1}"/>
+                <a16:creationId xmlns:a16="http://schemas.microsoft.com/office/drawing/2014/main" id="{891AD844-FA96-4D38-D4FF-3CCBD51954B8}"/>
               </a:ext>
             </a:extLst>
           </p:cNvPr>
@@ -1115,7 +1115,7 @@
           <p:cNvPr id="4" name="日期占位符 3">
             <a:extLst>
               <a:ext uri="{FF2B5EF4-FFF2-40B4-BE49-F238E27FC236}">
-                <a16:creationId xmlns:a16="http://schemas.microsoft.com/office/drawing/2014/main" id="{9C09660C-23EF-11D4-FAAE-F9C0522AE874}"/>
+                <a16:creationId xmlns:a16="http://schemas.microsoft.com/office/drawing/2014/main" id="{E5E40BD3-1C2E-9ED7-E5BC-100A20BD4168}"/>
               </a:ext>
             </a:extLst>
           </p:cNvPr>
@@ -1131,7 +1131,7 @@
           <a:bodyPr/>
           <a:lstStyle/>
           <a:p>
-            <a:fld id="{F5392E90-C068-4A7E-A0CE-5E4F4EB7653E}" type="datetimeFigureOut">
+            <a:fld id="{AA31437D-53A2-49F2-BE43-DA20D88AD294}" type="datetimeFigureOut">
               <a:rPr lang="zh-CN" altLang="en-US" smtClean="0"/>
               <a:t>2024/3/10</a:t>
             </a:fld>
@@ -1144,7 +1144,7 @@
           <p:cNvPr id="5" name="页脚占位符 4">
             <a:extLst>
               <a:ext uri="{FF2B5EF4-FFF2-40B4-BE49-F238E27FC236}">
-                <a16:creationId xmlns:a16="http://schemas.microsoft.com/office/drawing/2014/main" id="{F8C18811-173B-D88D-E85F-C2FD8C6407B8}"/>
+                <a16:creationId xmlns:a16="http://schemas.microsoft.com/office/drawing/2014/main" id="{AC272A90-689E-88A6-9A80-F40F1A632764}"/>
               </a:ext>
             </a:extLst>
           </p:cNvPr>
@@ -1169,7 +1169,7 @@
           <p:cNvPr id="6" name="灯片编号占位符 5">
             <a:extLst>
               <a:ext uri="{FF2B5EF4-FFF2-40B4-BE49-F238E27FC236}">
-                <a16:creationId xmlns:a16="http://schemas.microsoft.com/office/drawing/2014/main" id="{64559531-867B-54F5-3B23-AE09469968C3}"/>
+                <a16:creationId xmlns:a16="http://schemas.microsoft.com/office/drawing/2014/main" id="{0F96B9AD-4478-DDAF-8530-647ABBA4DA72}"/>
               </a:ext>
             </a:extLst>
           </p:cNvPr>
@@ -1185,7 +1185,7 @@
           <a:bodyPr/>
           <a:lstStyle/>
           <a:p>
-            <a:fld id="{DAD2AE77-788C-4284-B974-358CD875C2BE}" type="slidenum">
+            <a:fld id="{E4FE5CB7-4D5C-4EAC-B80A-E56644BDEAAC}" type="slidenum">
               <a:rPr lang="zh-CN" altLang="en-US" smtClean="0"/>
               <a:t>‹#›</a:t>
             </a:fld>
@@ -1196,7 +1196,7 @@
     </p:spTree>
     <p:extLst>
       <p:ext uri="{BB962C8B-B14F-4D97-AF65-F5344CB8AC3E}">
-        <p14:creationId xmlns:p14="http://schemas.microsoft.com/office/powerpoint/2010/main" val="3208265727"/>
+        <p14:creationId xmlns:p14="http://schemas.microsoft.com/office/powerpoint/2010/main" val="771601033"/>
       </p:ext>
     </p:extLst>
   </p:cSld>
@@ -1228,7 +1228,7 @@
           <p:cNvPr id="2" name="标题 1">
             <a:extLst>
               <a:ext uri="{FF2B5EF4-FFF2-40B4-BE49-F238E27FC236}">
-                <a16:creationId xmlns:a16="http://schemas.microsoft.com/office/drawing/2014/main" id="{E9A295E3-4A5F-B816-4F06-1283A9AD2ECC}"/>
+                <a16:creationId xmlns:a16="http://schemas.microsoft.com/office/drawing/2014/main" id="{ADCCD743-5718-1D3D-058F-BDBADF6C7FF9}"/>
               </a:ext>
             </a:extLst>
           </p:cNvPr>
@@ -1256,7 +1256,7 @@
           <p:cNvPr id="3" name="内容占位符 2">
             <a:extLst>
               <a:ext uri="{FF2B5EF4-FFF2-40B4-BE49-F238E27FC236}">
-                <a16:creationId xmlns:a16="http://schemas.microsoft.com/office/drawing/2014/main" id="{32EBE664-7DD9-F7D2-19F9-5C13CC1E5266}"/>
+                <a16:creationId xmlns:a16="http://schemas.microsoft.com/office/drawing/2014/main" id="{055E6549-CA69-ED13-F2D0-39C42D6BDDCE}"/>
               </a:ext>
             </a:extLst>
           </p:cNvPr>
@@ -1318,7 +1318,7 @@
           <p:cNvPr id="4" name="内容占位符 3">
             <a:extLst>
               <a:ext uri="{FF2B5EF4-FFF2-40B4-BE49-F238E27FC236}">
-                <a16:creationId xmlns:a16="http://schemas.microsoft.com/office/drawing/2014/main" id="{2781A804-127D-9A1A-317C-39D998C9DA2B}"/>
+                <a16:creationId xmlns:a16="http://schemas.microsoft.com/office/drawing/2014/main" id="{505133B0-BA86-6091-3D23-BE63C9A902A2}"/>
               </a:ext>
             </a:extLst>
           </p:cNvPr>
@@ -1380,7 +1380,7 @@
           <p:cNvPr id="5" name="日期占位符 4">
             <a:extLst>
               <a:ext uri="{FF2B5EF4-FFF2-40B4-BE49-F238E27FC236}">
-                <a16:creationId xmlns:a16="http://schemas.microsoft.com/office/drawing/2014/main" id="{66DC2C07-2914-D7A5-D24F-C2D15CAB8CFD}"/>
+                <a16:creationId xmlns:a16="http://schemas.microsoft.com/office/drawing/2014/main" id="{068A86B4-0D60-5F4D-602E-AAF774606F42}"/>
               </a:ext>
             </a:extLst>
           </p:cNvPr>
@@ -1396,7 +1396,7 @@
           <a:bodyPr/>
           <a:lstStyle/>
           <a:p>
-            <a:fld id="{F5392E90-C068-4A7E-A0CE-5E4F4EB7653E}" type="datetimeFigureOut">
+            <a:fld id="{AA31437D-53A2-49F2-BE43-DA20D88AD294}" type="datetimeFigureOut">
               <a:rPr lang="zh-CN" altLang="en-US" smtClean="0"/>
               <a:t>2024/3/10</a:t>
             </a:fld>
@@ -1409,7 +1409,7 @@
           <p:cNvPr id="6" name="页脚占位符 5">
             <a:extLst>
               <a:ext uri="{FF2B5EF4-FFF2-40B4-BE49-F238E27FC236}">
-                <a16:creationId xmlns:a16="http://schemas.microsoft.com/office/drawing/2014/main" id="{D6E6030B-0B42-5649-9E21-F3F8319DA7E9}"/>
+                <a16:creationId xmlns:a16="http://schemas.microsoft.com/office/drawing/2014/main" id="{2ED39114-AFFC-DF9D-B133-7F18D495AB5B}"/>
               </a:ext>
             </a:extLst>
           </p:cNvPr>
@@ -1434,7 +1434,7 @@
           <p:cNvPr id="7" name="灯片编号占位符 6">
             <a:extLst>
               <a:ext uri="{FF2B5EF4-FFF2-40B4-BE49-F238E27FC236}">
-                <a16:creationId xmlns:a16="http://schemas.microsoft.com/office/drawing/2014/main" id="{EB0C8505-7D17-6BC5-7A03-A639D317BB68}"/>
+                <a16:creationId xmlns:a16="http://schemas.microsoft.com/office/drawing/2014/main" id="{A00B2F7C-8D14-CC78-B5FE-337D6D8F9B4C}"/>
               </a:ext>
             </a:extLst>
           </p:cNvPr>
@@ -1450,7 +1450,7 @@
           <a:bodyPr/>
           <a:lstStyle/>
           <a:p>
-            <a:fld id="{DAD2AE77-788C-4284-B974-358CD875C2BE}" type="slidenum">
+            <a:fld id="{E4FE5CB7-4D5C-4EAC-B80A-E56644BDEAAC}" type="slidenum">
               <a:rPr lang="zh-CN" altLang="en-US" smtClean="0"/>
               <a:t>‹#›</a:t>
             </a:fld>
@@ -1461,7 +1461,7 @@
     </p:spTree>
     <p:extLst>
       <p:ext uri="{BB962C8B-B14F-4D97-AF65-F5344CB8AC3E}">
-        <p14:creationId xmlns:p14="http://schemas.microsoft.com/office/powerpoint/2010/main" val="3240043588"/>
+        <p14:creationId xmlns:p14="http://schemas.microsoft.com/office/powerpoint/2010/main" val="3888048075"/>
       </p:ext>
     </p:extLst>
   </p:cSld>
@@ -1493,7 +1493,7 @@
           <p:cNvPr id="2" name="标题 1">
             <a:extLst>
               <a:ext uri="{FF2B5EF4-FFF2-40B4-BE49-F238E27FC236}">
-                <a16:creationId xmlns:a16="http://schemas.microsoft.com/office/drawing/2014/main" id="{61602D13-0B8A-7238-DBCB-55C3DA4D6DCA}"/>
+                <a16:creationId xmlns:a16="http://schemas.microsoft.com/office/drawing/2014/main" id="{C737C89C-1399-325D-E13D-1DFE8D84B26A}"/>
               </a:ext>
             </a:extLst>
           </p:cNvPr>
@@ -1526,7 +1526,7 @@
           <p:cNvPr id="3" name="文本占位符 2">
             <a:extLst>
               <a:ext uri="{FF2B5EF4-FFF2-40B4-BE49-F238E27FC236}">
-                <a16:creationId xmlns:a16="http://schemas.microsoft.com/office/drawing/2014/main" id="{C254A202-E775-5AA6-EBD7-BA03A6B0490A}"/>
+                <a16:creationId xmlns:a16="http://schemas.microsoft.com/office/drawing/2014/main" id="{3E5514EA-C3D9-8CF4-10C9-9E49A9514990}"/>
               </a:ext>
             </a:extLst>
           </p:cNvPr>
@@ -1597,7 +1597,7 @@
           <p:cNvPr id="4" name="内容占位符 3">
             <a:extLst>
               <a:ext uri="{FF2B5EF4-FFF2-40B4-BE49-F238E27FC236}">
-                <a16:creationId xmlns:a16="http://schemas.microsoft.com/office/drawing/2014/main" id="{735A68ED-86CC-D2B7-EEBB-BEF05BDEE994}"/>
+                <a16:creationId xmlns:a16="http://schemas.microsoft.com/office/drawing/2014/main" id="{76DAA718-94CE-FC20-E7D7-562154F03B0B}"/>
               </a:ext>
             </a:extLst>
           </p:cNvPr>
@@ -1659,7 +1659,7 @@
           <p:cNvPr id="5" name="文本占位符 4">
             <a:extLst>
               <a:ext uri="{FF2B5EF4-FFF2-40B4-BE49-F238E27FC236}">
-                <a16:creationId xmlns:a16="http://schemas.microsoft.com/office/drawing/2014/main" id="{05272D5A-B871-0CF3-09E4-CA2158EED977}"/>
+                <a16:creationId xmlns:a16="http://schemas.microsoft.com/office/drawing/2014/main" id="{504A1C88-4419-8A68-106C-D8A4A08109F2}"/>
               </a:ext>
             </a:extLst>
           </p:cNvPr>
@@ -1730,7 +1730,7 @@
           <p:cNvPr id="6" name="内容占位符 5">
             <a:extLst>
               <a:ext uri="{FF2B5EF4-FFF2-40B4-BE49-F238E27FC236}">
-                <a16:creationId xmlns:a16="http://schemas.microsoft.com/office/drawing/2014/main" id="{9F6681E6-6D45-C8D9-187E-FFC8D2FD5329}"/>
+                <a16:creationId xmlns:a16="http://schemas.microsoft.com/office/drawing/2014/main" id="{C682C0F5-276B-C781-65B1-C99FDC84B96B}"/>
               </a:ext>
             </a:extLst>
           </p:cNvPr>
@@ -1792,7 +1792,7 @@
           <p:cNvPr id="7" name="日期占位符 6">
             <a:extLst>
               <a:ext uri="{FF2B5EF4-FFF2-40B4-BE49-F238E27FC236}">
-                <a16:creationId xmlns:a16="http://schemas.microsoft.com/office/drawing/2014/main" id="{283E7ED3-558F-EBBA-235C-E502B38EDC2B}"/>
+                <a16:creationId xmlns:a16="http://schemas.microsoft.com/office/drawing/2014/main" id="{1E60376E-0DCB-8FA8-1198-0FC3390E2222}"/>
               </a:ext>
             </a:extLst>
           </p:cNvPr>
@@ -1808,7 +1808,7 @@
           <a:bodyPr/>
           <a:lstStyle/>
           <a:p>
-            <a:fld id="{F5392E90-C068-4A7E-A0CE-5E4F4EB7653E}" type="datetimeFigureOut">
+            <a:fld id="{AA31437D-53A2-49F2-BE43-DA20D88AD294}" type="datetimeFigureOut">
               <a:rPr lang="zh-CN" altLang="en-US" smtClean="0"/>
               <a:t>2024/3/10</a:t>
             </a:fld>
@@ -1821,7 +1821,7 @@
           <p:cNvPr id="8" name="页脚占位符 7">
             <a:extLst>
               <a:ext uri="{FF2B5EF4-FFF2-40B4-BE49-F238E27FC236}">
-                <a16:creationId xmlns:a16="http://schemas.microsoft.com/office/drawing/2014/main" id="{7E50635F-F877-CFD9-51C7-FE78ED48581F}"/>
+                <a16:creationId xmlns:a16="http://schemas.microsoft.com/office/drawing/2014/main" id="{687A226F-C44B-063E-8E5B-76CFD8BBB056}"/>
               </a:ext>
             </a:extLst>
           </p:cNvPr>
@@ -1846,7 +1846,7 @@
           <p:cNvPr id="9" name="灯片编号占位符 8">
             <a:extLst>
               <a:ext uri="{FF2B5EF4-FFF2-40B4-BE49-F238E27FC236}">
-                <a16:creationId xmlns:a16="http://schemas.microsoft.com/office/drawing/2014/main" id="{58CA7526-AD4B-EBCA-6F15-0C70E150AF1A}"/>
+                <a16:creationId xmlns:a16="http://schemas.microsoft.com/office/drawing/2014/main" id="{09564EBA-A365-F1AB-EE00-909D33584721}"/>
               </a:ext>
             </a:extLst>
           </p:cNvPr>
@@ -1862,7 +1862,7 @@
           <a:bodyPr/>
           <a:lstStyle/>
           <a:p>
-            <a:fld id="{DAD2AE77-788C-4284-B974-358CD875C2BE}" type="slidenum">
+            <a:fld id="{E4FE5CB7-4D5C-4EAC-B80A-E56644BDEAAC}" type="slidenum">
               <a:rPr lang="zh-CN" altLang="en-US" smtClean="0"/>
               <a:t>‹#›</a:t>
             </a:fld>
@@ -1873,7 +1873,7 @@
     </p:spTree>
     <p:extLst>
       <p:ext uri="{BB962C8B-B14F-4D97-AF65-F5344CB8AC3E}">
-        <p14:creationId xmlns:p14="http://schemas.microsoft.com/office/powerpoint/2010/main" val="387696122"/>
+        <p14:creationId xmlns:p14="http://schemas.microsoft.com/office/powerpoint/2010/main" val="3959042702"/>
       </p:ext>
     </p:extLst>
   </p:cSld>
@@ -1905,7 +1905,7 @@
           <p:cNvPr id="2" name="标题 1">
             <a:extLst>
               <a:ext uri="{FF2B5EF4-FFF2-40B4-BE49-F238E27FC236}">
-                <a16:creationId xmlns:a16="http://schemas.microsoft.com/office/drawing/2014/main" id="{83E770A6-B91D-D671-0277-FC025DC8B257}"/>
+                <a16:creationId xmlns:a16="http://schemas.microsoft.com/office/drawing/2014/main" id="{FCE238A0-13ED-8C58-FF40-D31D4E802E33}"/>
               </a:ext>
             </a:extLst>
           </p:cNvPr>
@@ -1933,7 +1933,7 @@
           <p:cNvPr id="3" name="日期占位符 2">
             <a:extLst>
               <a:ext uri="{FF2B5EF4-FFF2-40B4-BE49-F238E27FC236}">
-                <a16:creationId xmlns:a16="http://schemas.microsoft.com/office/drawing/2014/main" id="{D86A1505-CDAD-3385-F5A1-F6D14AEDD0A6}"/>
+                <a16:creationId xmlns:a16="http://schemas.microsoft.com/office/drawing/2014/main" id="{28751B4B-881A-DB15-EA81-8A907A4FF9AF}"/>
               </a:ext>
             </a:extLst>
           </p:cNvPr>
@@ -1949,7 +1949,7 @@
           <a:bodyPr/>
           <a:lstStyle/>
           <a:p>
-            <a:fld id="{F5392E90-C068-4A7E-A0CE-5E4F4EB7653E}" type="datetimeFigureOut">
+            <a:fld id="{AA31437D-53A2-49F2-BE43-DA20D88AD294}" type="datetimeFigureOut">
               <a:rPr lang="zh-CN" altLang="en-US" smtClean="0"/>
               <a:t>2024/3/10</a:t>
             </a:fld>
@@ -1962,7 +1962,7 @@
           <p:cNvPr id="4" name="页脚占位符 3">
             <a:extLst>
               <a:ext uri="{FF2B5EF4-FFF2-40B4-BE49-F238E27FC236}">
-                <a16:creationId xmlns:a16="http://schemas.microsoft.com/office/drawing/2014/main" id="{BAAF95E1-DF1B-40D4-CBE8-FFFC52011215}"/>
+                <a16:creationId xmlns:a16="http://schemas.microsoft.com/office/drawing/2014/main" id="{8EF00FC5-899A-9346-85F5-076093E4C863}"/>
               </a:ext>
             </a:extLst>
           </p:cNvPr>
@@ -1987,7 +1987,7 @@
           <p:cNvPr id="5" name="灯片编号占位符 4">
             <a:extLst>
               <a:ext uri="{FF2B5EF4-FFF2-40B4-BE49-F238E27FC236}">
-                <a16:creationId xmlns:a16="http://schemas.microsoft.com/office/drawing/2014/main" id="{22CBD94F-ADA9-2112-E223-E5AC162346A6}"/>
+                <a16:creationId xmlns:a16="http://schemas.microsoft.com/office/drawing/2014/main" id="{BC747CA3-47B0-FC9E-ED01-249ACBA44970}"/>
               </a:ext>
             </a:extLst>
           </p:cNvPr>
@@ -2003,7 +2003,7 @@
           <a:bodyPr/>
           <a:lstStyle/>
           <a:p>
-            <a:fld id="{DAD2AE77-788C-4284-B974-358CD875C2BE}" type="slidenum">
+            <a:fld id="{E4FE5CB7-4D5C-4EAC-B80A-E56644BDEAAC}" type="slidenum">
               <a:rPr lang="zh-CN" altLang="en-US" smtClean="0"/>
               <a:t>‹#›</a:t>
             </a:fld>
@@ -2014,7 +2014,7 @@
     </p:spTree>
     <p:extLst>
       <p:ext uri="{BB962C8B-B14F-4D97-AF65-F5344CB8AC3E}">
-        <p14:creationId xmlns:p14="http://schemas.microsoft.com/office/powerpoint/2010/main" val="2239545971"/>
+        <p14:creationId xmlns:p14="http://schemas.microsoft.com/office/powerpoint/2010/main" val="2685322966"/>
       </p:ext>
     </p:extLst>
   </p:cSld>
@@ -2046,7 +2046,7 @@
           <p:cNvPr id="2" name="日期占位符 1">
             <a:extLst>
               <a:ext uri="{FF2B5EF4-FFF2-40B4-BE49-F238E27FC236}">
-                <a16:creationId xmlns:a16="http://schemas.microsoft.com/office/drawing/2014/main" id="{209AA9F6-9B61-C74C-D150-3700234EAC58}"/>
+                <a16:creationId xmlns:a16="http://schemas.microsoft.com/office/drawing/2014/main" id="{34B475AF-D44C-05D3-2C79-D31515DBAF14}"/>
               </a:ext>
             </a:extLst>
           </p:cNvPr>
@@ -2062,7 +2062,7 @@
           <a:bodyPr/>
           <a:lstStyle/>
           <a:p>
-            <a:fld id="{F5392E90-C068-4A7E-A0CE-5E4F4EB7653E}" type="datetimeFigureOut">
+            <a:fld id="{AA31437D-53A2-49F2-BE43-DA20D88AD294}" type="datetimeFigureOut">
               <a:rPr lang="zh-CN" altLang="en-US" smtClean="0"/>
               <a:t>2024/3/10</a:t>
             </a:fld>
@@ -2075,7 +2075,7 @@
           <p:cNvPr id="3" name="页脚占位符 2">
             <a:extLst>
               <a:ext uri="{FF2B5EF4-FFF2-40B4-BE49-F238E27FC236}">
-                <a16:creationId xmlns:a16="http://schemas.microsoft.com/office/drawing/2014/main" id="{E1E487CB-F7F8-93E1-9569-9A1ED4F108A5}"/>
+                <a16:creationId xmlns:a16="http://schemas.microsoft.com/office/drawing/2014/main" id="{A8A5B7C2-2C49-292D-C830-1B7F200F05D1}"/>
               </a:ext>
             </a:extLst>
           </p:cNvPr>
@@ -2100,7 +2100,7 @@
           <p:cNvPr id="4" name="灯片编号占位符 3">
             <a:extLst>
               <a:ext uri="{FF2B5EF4-FFF2-40B4-BE49-F238E27FC236}">
-                <a16:creationId xmlns:a16="http://schemas.microsoft.com/office/drawing/2014/main" id="{6EF4ADF0-0AF9-75D7-2B70-C37F8D029B5E}"/>
+                <a16:creationId xmlns:a16="http://schemas.microsoft.com/office/drawing/2014/main" id="{B56A6494-DBA9-ED00-DAF0-48CF923F7375}"/>
               </a:ext>
             </a:extLst>
           </p:cNvPr>
@@ -2116,7 +2116,7 @@
           <a:bodyPr/>
           <a:lstStyle/>
           <a:p>
-            <a:fld id="{DAD2AE77-788C-4284-B974-358CD875C2BE}" type="slidenum">
+            <a:fld id="{E4FE5CB7-4D5C-4EAC-B80A-E56644BDEAAC}" type="slidenum">
               <a:rPr lang="zh-CN" altLang="en-US" smtClean="0"/>
               <a:t>‹#›</a:t>
             </a:fld>
@@ -2127,7 +2127,7 @@
     </p:spTree>
     <p:extLst>
       <p:ext uri="{BB962C8B-B14F-4D97-AF65-F5344CB8AC3E}">
-        <p14:creationId xmlns:p14="http://schemas.microsoft.com/office/powerpoint/2010/main" val="2776114262"/>
+        <p14:creationId xmlns:p14="http://schemas.microsoft.com/office/powerpoint/2010/main" val="346013169"/>
       </p:ext>
     </p:extLst>
   </p:cSld>
@@ -2159,7 +2159,7 @@
           <p:cNvPr id="2" name="标题 1">
             <a:extLst>
               <a:ext uri="{FF2B5EF4-FFF2-40B4-BE49-F238E27FC236}">
-                <a16:creationId xmlns:a16="http://schemas.microsoft.com/office/drawing/2014/main" id="{A5A38433-774A-A434-3B33-6E58FD854BAF}"/>
+                <a16:creationId xmlns:a16="http://schemas.microsoft.com/office/drawing/2014/main" id="{DD05AA9C-E754-51D9-13B0-F31B55F78C5A}"/>
               </a:ext>
             </a:extLst>
           </p:cNvPr>
@@ -2196,7 +2196,7 @@
           <p:cNvPr id="3" name="内容占位符 2">
             <a:extLst>
               <a:ext uri="{FF2B5EF4-FFF2-40B4-BE49-F238E27FC236}">
-                <a16:creationId xmlns:a16="http://schemas.microsoft.com/office/drawing/2014/main" id="{5DA43B8F-FD31-C7EA-611C-3042D71D3865}"/>
+                <a16:creationId xmlns:a16="http://schemas.microsoft.com/office/drawing/2014/main" id="{D75E8AC6-EA33-B55D-55B7-7D9B4208DC24}"/>
               </a:ext>
             </a:extLst>
           </p:cNvPr>
@@ -2286,7 +2286,7 @@
           <p:cNvPr id="4" name="文本占位符 3">
             <a:extLst>
               <a:ext uri="{FF2B5EF4-FFF2-40B4-BE49-F238E27FC236}">
-                <a16:creationId xmlns:a16="http://schemas.microsoft.com/office/drawing/2014/main" id="{83CB1EF1-3338-2A70-BE5A-6214015836AF}"/>
+                <a16:creationId xmlns:a16="http://schemas.microsoft.com/office/drawing/2014/main" id="{F05C64EF-8780-D83F-E139-AE55D5A61342}"/>
               </a:ext>
             </a:extLst>
           </p:cNvPr>
@@ -2357,7 +2357,7 @@
           <p:cNvPr id="5" name="日期占位符 4">
             <a:extLst>
               <a:ext uri="{FF2B5EF4-FFF2-40B4-BE49-F238E27FC236}">
-                <a16:creationId xmlns:a16="http://schemas.microsoft.com/office/drawing/2014/main" id="{EF71ECAF-5592-822E-0EAC-652217AAB2FB}"/>
+                <a16:creationId xmlns:a16="http://schemas.microsoft.com/office/drawing/2014/main" id="{8475E75A-6D93-F38D-9EE9-3C67134CBC7D}"/>
               </a:ext>
             </a:extLst>
           </p:cNvPr>
@@ -2373,7 +2373,7 @@
           <a:bodyPr/>
           <a:lstStyle/>
           <a:p>
-            <a:fld id="{F5392E90-C068-4A7E-A0CE-5E4F4EB7653E}" type="datetimeFigureOut">
+            <a:fld id="{AA31437D-53A2-49F2-BE43-DA20D88AD294}" type="datetimeFigureOut">
               <a:rPr lang="zh-CN" altLang="en-US" smtClean="0"/>
               <a:t>2024/3/10</a:t>
             </a:fld>
@@ -2386,7 +2386,7 @@
           <p:cNvPr id="6" name="页脚占位符 5">
             <a:extLst>
               <a:ext uri="{FF2B5EF4-FFF2-40B4-BE49-F238E27FC236}">
-                <a16:creationId xmlns:a16="http://schemas.microsoft.com/office/drawing/2014/main" id="{AEA05B36-39E1-DC68-6E56-EF3DB1D2600A}"/>
+                <a16:creationId xmlns:a16="http://schemas.microsoft.com/office/drawing/2014/main" id="{5460C03F-25AE-A410-3277-99E5792F5C39}"/>
               </a:ext>
             </a:extLst>
           </p:cNvPr>
@@ -2411,7 +2411,7 @@
           <p:cNvPr id="7" name="灯片编号占位符 6">
             <a:extLst>
               <a:ext uri="{FF2B5EF4-FFF2-40B4-BE49-F238E27FC236}">
-                <a16:creationId xmlns:a16="http://schemas.microsoft.com/office/drawing/2014/main" id="{1B6FF09E-964C-3029-69C1-64414FF2AE8C}"/>
+                <a16:creationId xmlns:a16="http://schemas.microsoft.com/office/drawing/2014/main" id="{BAC75AC4-DB33-AB89-6251-1303E7264C70}"/>
               </a:ext>
             </a:extLst>
           </p:cNvPr>
@@ -2427,7 +2427,7 @@
           <a:bodyPr/>
           <a:lstStyle/>
           <a:p>
-            <a:fld id="{DAD2AE77-788C-4284-B974-358CD875C2BE}" type="slidenum">
+            <a:fld id="{E4FE5CB7-4D5C-4EAC-B80A-E56644BDEAAC}" type="slidenum">
               <a:rPr lang="zh-CN" altLang="en-US" smtClean="0"/>
               <a:t>‹#›</a:t>
             </a:fld>
@@ -2438,7 +2438,7 @@
     </p:spTree>
     <p:extLst>
       <p:ext uri="{BB962C8B-B14F-4D97-AF65-F5344CB8AC3E}">
-        <p14:creationId xmlns:p14="http://schemas.microsoft.com/office/powerpoint/2010/main" val="2636083714"/>
+        <p14:creationId xmlns:p14="http://schemas.microsoft.com/office/powerpoint/2010/main" val="675113763"/>
       </p:ext>
     </p:extLst>
   </p:cSld>
@@ -2470,7 +2470,7 @@
           <p:cNvPr id="2" name="标题 1">
             <a:extLst>
               <a:ext uri="{FF2B5EF4-FFF2-40B4-BE49-F238E27FC236}">
-                <a16:creationId xmlns:a16="http://schemas.microsoft.com/office/drawing/2014/main" id="{98053EF4-E1F0-135B-7054-81C283F6BDCB}"/>
+                <a16:creationId xmlns:a16="http://schemas.microsoft.com/office/drawing/2014/main" id="{16D0D08E-178A-9AA6-7D88-02725A965B2F}"/>
               </a:ext>
             </a:extLst>
           </p:cNvPr>
@@ -2507,7 +2507,7 @@
           <p:cNvPr id="3" name="图片占位符 2">
             <a:extLst>
               <a:ext uri="{FF2B5EF4-FFF2-40B4-BE49-F238E27FC236}">
-                <a16:creationId xmlns:a16="http://schemas.microsoft.com/office/drawing/2014/main" id="{D1C3ACBE-FE17-652B-ACA5-D0E097E47181}"/>
+                <a16:creationId xmlns:a16="http://schemas.microsoft.com/office/drawing/2014/main" id="{4B767D17-C9A1-EB55-8C11-FEBF71B3DD9E}"/>
               </a:ext>
             </a:extLst>
           </p:cNvPr>
@@ -2574,7 +2574,7 @@
           <p:cNvPr id="4" name="文本占位符 3">
             <a:extLst>
               <a:ext uri="{FF2B5EF4-FFF2-40B4-BE49-F238E27FC236}">
-                <a16:creationId xmlns:a16="http://schemas.microsoft.com/office/drawing/2014/main" id="{02713135-3C1A-5D89-79D5-489380FA8236}"/>
+                <a16:creationId xmlns:a16="http://schemas.microsoft.com/office/drawing/2014/main" id="{9DA9409E-2447-B8FD-CF3F-9CB909B79F90}"/>
               </a:ext>
             </a:extLst>
           </p:cNvPr>
@@ -2645,7 +2645,7 @@
           <p:cNvPr id="5" name="日期占位符 4">
             <a:extLst>
               <a:ext uri="{FF2B5EF4-FFF2-40B4-BE49-F238E27FC236}">
-                <a16:creationId xmlns:a16="http://schemas.microsoft.com/office/drawing/2014/main" id="{1016E090-FB94-D66C-07DC-75C8CD35B3D5}"/>
+                <a16:creationId xmlns:a16="http://schemas.microsoft.com/office/drawing/2014/main" id="{2338D7FB-5C23-8BF3-A042-BE2EA67357D3}"/>
               </a:ext>
             </a:extLst>
           </p:cNvPr>
@@ -2661,7 +2661,7 @@
           <a:bodyPr/>
           <a:lstStyle/>
           <a:p>
-            <a:fld id="{F5392E90-C068-4A7E-A0CE-5E4F4EB7653E}" type="datetimeFigureOut">
+            <a:fld id="{AA31437D-53A2-49F2-BE43-DA20D88AD294}" type="datetimeFigureOut">
               <a:rPr lang="zh-CN" altLang="en-US" smtClean="0"/>
               <a:t>2024/3/10</a:t>
             </a:fld>
@@ -2674,7 +2674,7 @@
           <p:cNvPr id="6" name="页脚占位符 5">
             <a:extLst>
               <a:ext uri="{FF2B5EF4-FFF2-40B4-BE49-F238E27FC236}">
-                <a16:creationId xmlns:a16="http://schemas.microsoft.com/office/drawing/2014/main" id="{7995E911-6178-6ADF-8562-504A1426EE9B}"/>
+                <a16:creationId xmlns:a16="http://schemas.microsoft.com/office/drawing/2014/main" id="{518ED742-C0DC-0975-6716-3F6FA7625F22}"/>
               </a:ext>
             </a:extLst>
           </p:cNvPr>
@@ -2699,7 +2699,7 @@
           <p:cNvPr id="7" name="灯片编号占位符 6">
             <a:extLst>
               <a:ext uri="{FF2B5EF4-FFF2-40B4-BE49-F238E27FC236}">
-                <a16:creationId xmlns:a16="http://schemas.microsoft.com/office/drawing/2014/main" id="{D5F80122-B9D0-CE43-91BB-B43BF2825866}"/>
+                <a16:creationId xmlns:a16="http://schemas.microsoft.com/office/drawing/2014/main" id="{56A220E0-5E00-776C-B91C-DF68951BB854}"/>
               </a:ext>
             </a:extLst>
           </p:cNvPr>
@@ -2715,7 +2715,7 @@
           <a:bodyPr/>
           <a:lstStyle/>
           <a:p>
-            <a:fld id="{DAD2AE77-788C-4284-B974-358CD875C2BE}" type="slidenum">
+            <a:fld id="{E4FE5CB7-4D5C-4EAC-B80A-E56644BDEAAC}" type="slidenum">
               <a:rPr lang="zh-CN" altLang="en-US" smtClean="0"/>
               <a:t>‹#›</a:t>
             </a:fld>
@@ -2726,7 +2726,7 @@
     </p:spTree>
     <p:extLst>
       <p:ext uri="{BB962C8B-B14F-4D97-AF65-F5344CB8AC3E}">
-        <p14:creationId xmlns:p14="http://schemas.microsoft.com/office/powerpoint/2010/main" val="1284430999"/>
+        <p14:creationId xmlns:p14="http://schemas.microsoft.com/office/powerpoint/2010/main" val="2578726009"/>
       </p:ext>
     </p:extLst>
   </p:cSld>
@@ -2763,7 +2763,7 @@
           <p:cNvPr id="2" name="标题占位符 1">
             <a:extLst>
               <a:ext uri="{FF2B5EF4-FFF2-40B4-BE49-F238E27FC236}">
-                <a16:creationId xmlns:a16="http://schemas.microsoft.com/office/drawing/2014/main" id="{1B7418BC-6ECD-0516-DE13-C6C073CE5A57}"/>
+                <a16:creationId xmlns:a16="http://schemas.microsoft.com/office/drawing/2014/main" id="{A9B46F46-2C08-ED9D-E05E-22AFBB4628F6}"/>
               </a:ext>
             </a:extLst>
           </p:cNvPr>
@@ -2801,7 +2801,7 @@
           <p:cNvPr id="3" name="文本占位符 2">
             <a:extLst>
               <a:ext uri="{FF2B5EF4-FFF2-40B4-BE49-F238E27FC236}">
-                <a16:creationId xmlns:a16="http://schemas.microsoft.com/office/drawing/2014/main" id="{1B4E2085-21D2-593A-DB66-E1C1890F5BBB}"/>
+                <a16:creationId xmlns:a16="http://schemas.microsoft.com/office/drawing/2014/main" id="{F6BB2F4A-3EB0-4839-D1CE-3B10B1A723FF}"/>
               </a:ext>
             </a:extLst>
           </p:cNvPr>
@@ -2868,7 +2868,7 @@
           <p:cNvPr id="4" name="日期占位符 3">
             <a:extLst>
               <a:ext uri="{FF2B5EF4-FFF2-40B4-BE49-F238E27FC236}">
-                <a16:creationId xmlns:a16="http://schemas.microsoft.com/office/drawing/2014/main" id="{B8934D4A-6F16-40F1-911C-0AA0C453835C}"/>
+                <a16:creationId xmlns:a16="http://schemas.microsoft.com/office/drawing/2014/main" id="{3950CBA4-A1D5-4AE8-E2E8-1702D22A29AA}"/>
               </a:ext>
             </a:extLst>
           </p:cNvPr>
@@ -2902,7 +2902,7 @@
             </a:lvl1pPr>
           </a:lstStyle>
           <a:p>
-            <a:fld id="{F5392E90-C068-4A7E-A0CE-5E4F4EB7653E}" type="datetimeFigureOut">
+            <a:fld id="{AA31437D-53A2-49F2-BE43-DA20D88AD294}" type="datetimeFigureOut">
               <a:rPr lang="zh-CN" altLang="en-US" smtClean="0"/>
               <a:t>2024/3/10</a:t>
             </a:fld>
@@ -2915,7 +2915,7 @@
           <p:cNvPr id="5" name="页脚占位符 4">
             <a:extLst>
               <a:ext uri="{FF2B5EF4-FFF2-40B4-BE49-F238E27FC236}">
-                <a16:creationId xmlns:a16="http://schemas.microsoft.com/office/drawing/2014/main" id="{A2ACDD26-6AB7-0942-8F83-8936AC0BC393}"/>
+                <a16:creationId xmlns:a16="http://schemas.microsoft.com/office/drawing/2014/main" id="{E9488D56-1257-28AA-05DD-2E8A6EE48D82}"/>
               </a:ext>
             </a:extLst>
           </p:cNvPr>
@@ -2958,7 +2958,7 @@
           <p:cNvPr id="6" name="灯片编号占位符 5">
             <a:extLst>
               <a:ext uri="{FF2B5EF4-FFF2-40B4-BE49-F238E27FC236}">
-                <a16:creationId xmlns:a16="http://schemas.microsoft.com/office/drawing/2014/main" id="{CA0F05FA-A5CD-20AA-7F0E-292EC0916D46}"/>
+                <a16:creationId xmlns:a16="http://schemas.microsoft.com/office/drawing/2014/main" id="{C50FA939-813C-41AD-31B7-38868E4593A5}"/>
               </a:ext>
             </a:extLst>
           </p:cNvPr>
@@ -2992,7 +2992,7 @@
             </a:lvl1pPr>
           </a:lstStyle>
           <a:p>
-            <a:fld id="{DAD2AE77-788C-4284-B974-358CD875C2BE}" type="slidenum">
+            <a:fld id="{E4FE5CB7-4D5C-4EAC-B80A-E56644BDEAAC}" type="slidenum">
               <a:rPr lang="zh-CN" altLang="en-US" smtClean="0"/>
               <a:t>‹#›</a:t>
             </a:fld>
@@ -3003,7 +3003,7 @@
     </p:spTree>
     <p:extLst>
       <p:ext uri="{BB962C8B-B14F-4D97-AF65-F5344CB8AC3E}">
-        <p14:creationId xmlns:p14="http://schemas.microsoft.com/office/powerpoint/2010/main" val="2681557458"/>
+        <p14:creationId xmlns:p14="http://schemas.microsoft.com/office/powerpoint/2010/main" val="1430976109"/>
       </p:ext>
     </p:extLst>
   </p:cSld>
@@ -3323,7 +3323,7 @@
       </p:grpSpPr>
       <p:pic>
         <p:nvPicPr>
-          <p:cNvPr id="1118210" name="Picture 2" descr="1091"/>
+          <p:cNvPr id="1119234" name="Picture 2" descr="1092"/>
           <p:cNvPicPr>
             <a:picLocks noChangeAspect="1" noChangeArrowheads="1"/>
           </p:cNvPicPr>
@@ -3344,8 +3344,8 @@
         </p:blipFill>
         <p:spPr bwMode="auto">
           <a:xfrm>
-            <a:off x="1524000" y="0"/>
-            <a:ext cx="9144000" cy="6858000"/>
+            <a:off x="1524000" y="1"/>
+            <a:ext cx="9124950" cy="6843713"/>
           </a:xfrm>
           <a:prstGeom prst="rect">
             <a:avLst/>
@@ -3375,158 +3375,11 @@
           </a:extLst>
         </p:spPr>
       </p:pic>
-      <p:pic>
-        <p:nvPicPr>
-          <p:cNvPr id="1119235" name="Picture 3" descr="1091-2"/>
-          <p:cNvPicPr>
-            <a:picLocks noChangeAspect="1" noChangeArrowheads="1"/>
-          </p:cNvPicPr>
-          <p:nvPr/>
-        </p:nvPicPr>
-        <p:blipFill>
-          <a:blip r:embed="rId3">
-            <a:extLst>
-              <a:ext uri="{28A0092B-C50C-407E-A947-70E740481C1C}">
-                <a14:useLocalDpi xmlns:a14="http://schemas.microsoft.com/office/drawing/2010/main" val="0"/>
-              </a:ext>
-            </a:extLst>
-          </a:blip>
-          <a:srcRect/>
-          <a:stretch>
-            <a:fillRect/>
-          </a:stretch>
-        </p:blipFill>
-        <p:spPr bwMode="auto">
-          <a:xfrm>
-            <a:off x="1524000" y="1"/>
-            <a:ext cx="9145588" cy="6886575"/>
-          </a:xfrm>
-          <a:prstGeom prst="rect">
-            <a:avLst/>
-          </a:prstGeom>
-          <a:noFill/>
-          <a:ln>
-            <a:noFill/>
-          </a:ln>
-          <a:effectLst/>
-          <a:extLst>
-            <a:ext uri="{909E8E84-426E-40DD-AFC4-6F175D3DCCD1}">
-              <a14:hiddenFill xmlns:a14="http://schemas.microsoft.com/office/drawing/2010/main">
-                <a:solidFill>
-                  <a:srgbClr val="FFFFFF"/>
-                </a:solidFill>
-              </a14:hiddenFill>
-            </a:ext>
-            <a:ext uri="{91240B29-F687-4F45-9708-019B960494DF}">
-              <a14:hiddenLine xmlns:a14="http://schemas.microsoft.com/office/drawing/2010/main" w="9525">
-                <a:solidFill>
-                  <a:srgbClr val="000000"/>
-                </a:solidFill>
-                <a:miter lim="800000"/>
-                <a:headEnd/>
-                <a:tailEnd/>
-              </a14:hiddenLine>
-            </a:ext>
-            <a:ext uri="{AF507438-7753-43E0-B8FC-AC1667EBCBE1}">
-              <a14:hiddenEffects xmlns:a14="http://schemas.microsoft.com/office/drawing/2010/main">
-                <a:effectLst>
-                  <a:outerShdw dist="35921" dir="2700000" algn="ctr" rotWithShape="0">
-                    <a:srgbClr val="808080"/>
-                  </a:outerShdw>
-                </a:effectLst>
-              </a14:hiddenEffects>
-            </a:ext>
-          </a:extLst>
-        </p:spPr>
-      </p:pic>
     </p:spTree>
   </p:cSld>
   <p:clrMapOvr>
     <a:masterClrMapping/>
   </p:clrMapOvr>
-  <p:timing>
-    <p:tnLst>
-      <p:par>
-        <p:cTn id="1" dur="indefinite" restart="never" nodeType="tmRoot">
-          <p:childTnLst>
-            <p:seq concurrent="1" nextAc="seek">
-              <p:cTn id="2" dur="indefinite" nodeType="mainSeq">
-                <p:childTnLst>
-                  <p:par>
-                    <p:cTn id="3" fill="hold" nodeType="clickPar">
-                      <p:stCondLst>
-                        <p:cond delay="indefinite"/>
-                      </p:stCondLst>
-                      <p:childTnLst>
-                        <p:par>
-                          <p:cTn id="4" fill="hold" nodeType="withGroup">
-                            <p:stCondLst>
-                              <p:cond delay="0"/>
-                            </p:stCondLst>
-                            <p:childTnLst>
-                              <p:par>
-                                <p:cTn id="5" presetID="10" presetClass="entr" presetSubtype="0" fill="hold" nodeType="clickEffect">
-                                  <p:stCondLst>
-                                    <p:cond delay="0"/>
-                                  </p:stCondLst>
-                                  <p:childTnLst>
-                                    <p:set>
-                                      <p:cBhvr>
-                                        <p:cTn id="6" dur="1" fill="hold">
-                                          <p:stCondLst>
-                                            <p:cond delay="0"/>
-                                          </p:stCondLst>
-                                        </p:cTn>
-                                        <p:tgtEl>
-                                          <p:spTgt spid="1119235"/>
-                                        </p:tgtEl>
-                                        <p:attrNameLst>
-                                          <p:attrName>style.visibility</p:attrName>
-                                        </p:attrNameLst>
-                                      </p:cBhvr>
-                                      <p:to>
-                                        <p:strVal val="visible"/>
-                                      </p:to>
-                                    </p:set>
-                                    <p:animEffect transition="in" filter="fade">
-                                      <p:cBhvr>
-                                        <p:cTn id="7" dur="500"/>
-                                        <p:tgtEl>
-                                          <p:spTgt spid="1119235"/>
-                                        </p:tgtEl>
-                                      </p:cBhvr>
-                                    </p:animEffect>
-                                  </p:childTnLst>
-                                </p:cTn>
-                              </p:par>
-                            </p:childTnLst>
-                          </p:cTn>
-                        </p:par>
-                      </p:childTnLst>
-                    </p:cTn>
-                  </p:par>
-                </p:childTnLst>
-              </p:cTn>
-              <p:prevCondLst>
-                <p:cond evt="onPrev" delay="0">
-                  <p:tgtEl>
-                    <p:sldTgt/>
-                  </p:tgtEl>
-                </p:cond>
-              </p:prevCondLst>
-              <p:nextCondLst>
-                <p:cond evt="onNext" delay="0">
-                  <p:tgtEl>
-                    <p:sldTgt/>
-                  </p:tgtEl>
-                </p:cond>
-              </p:nextCondLst>
-            </p:seq>
-          </p:childTnLst>
-        </p:cTn>
-      </p:par>
-    </p:tnLst>
-  </p:timing>
 </p:sld>
 </file>
 
